--- a/Nortic_Sensing_ErikPak.pptx
+++ b/Nortic_Sensing_ErikPak.pptx
@@ -63,9 +63,9 @@
         </a:solidFill>
         <a:effectLst/>
         <a:uFillTx/>
-        <a:latin typeface="+mn-lt"/>
-        <a:ea typeface="+mn-ea"/>
-        <a:cs typeface="+mn-cs"/>
+        <a:latin typeface="+mj-lt"/>
+        <a:ea typeface="+mj-ea"/>
+        <a:cs typeface="+mj-cs"/>
         <a:sym typeface="Arial"/>
       </a:defRPr>
     </a:lvl1pPr>
@@ -93,9 +93,9 @@
         </a:solidFill>
         <a:effectLst/>
         <a:uFillTx/>
-        <a:latin typeface="+mn-lt"/>
-        <a:ea typeface="+mn-ea"/>
-        <a:cs typeface="+mn-cs"/>
+        <a:latin typeface="+mj-lt"/>
+        <a:ea typeface="+mj-ea"/>
+        <a:cs typeface="+mj-cs"/>
         <a:sym typeface="Arial"/>
       </a:defRPr>
     </a:lvl2pPr>
@@ -123,9 +123,9 @@
         </a:solidFill>
         <a:effectLst/>
         <a:uFillTx/>
-        <a:latin typeface="+mn-lt"/>
-        <a:ea typeface="+mn-ea"/>
-        <a:cs typeface="+mn-cs"/>
+        <a:latin typeface="+mj-lt"/>
+        <a:ea typeface="+mj-ea"/>
+        <a:cs typeface="+mj-cs"/>
         <a:sym typeface="Arial"/>
       </a:defRPr>
     </a:lvl3pPr>
@@ -153,9 +153,9 @@
         </a:solidFill>
         <a:effectLst/>
         <a:uFillTx/>
-        <a:latin typeface="+mn-lt"/>
-        <a:ea typeface="+mn-ea"/>
-        <a:cs typeface="+mn-cs"/>
+        <a:latin typeface="+mj-lt"/>
+        <a:ea typeface="+mj-ea"/>
+        <a:cs typeface="+mj-cs"/>
         <a:sym typeface="Arial"/>
       </a:defRPr>
     </a:lvl4pPr>
@@ -183,9 +183,9 @@
         </a:solidFill>
         <a:effectLst/>
         <a:uFillTx/>
-        <a:latin typeface="+mn-lt"/>
-        <a:ea typeface="+mn-ea"/>
-        <a:cs typeface="+mn-cs"/>
+        <a:latin typeface="+mj-lt"/>
+        <a:ea typeface="+mj-ea"/>
+        <a:cs typeface="+mj-cs"/>
         <a:sym typeface="Arial"/>
       </a:defRPr>
     </a:lvl5pPr>
@@ -213,9 +213,9 @@
         </a:solidFill>
         <a:effectLst/>
         <a:uFillTx/>
-        <a:latin typeface="+mn-lt"/>
-        <a:ea typeface="+mn-ea"/>
-        <a:cs typeface="+mn-cs"/>
+        <a:latin typeface="+mj-lt"/>
+        <a:ea typeface="+mj-ea"/>
+        <a:cs typeface="+mj-cs"/>
         <a:sym typeface="Arial"/>
       </a:defRPr>
     </a:lvl6pPr>
@@ -243,9 +243,9 @@
         </a:solidFill>
         <a:effectLst/>
         <a:uFillTx/>
-        <a:latin typeface="+mn-lt"/>
-        <a:ea typeface="+mn-ea"/>
-        <a:cs typeface="+mn-cs"/>
+        <a:latin typeface="+mj-lt"/>
+        <a:ea typeface="+mj-ea"/>
+        <a:cs typeface="+mj-cs"/>
         <a:sym typeface="Arial"/>
       </a:defRPr>
     </a:lvl7pPr>
@@ -273,9 +273,9 @@
         </a:solidFill>
         <a:effectLst/>
         <a:uFillTx/>
-        <a:latin typeface="+mn-lt"/>
-        <a:ea typeface="+mn-ea"/>
-        <a:cs typeface="+mn-cs"/>
+        <a:latin typeface="+mj-lt"/>
+        <a:ea typeface="+mj-ea"/>
+        <a:cs typeface="+mj-cs"/>
         <a:sym typeface="Arial"/>
       </a:defRPr>
     </a:lvl8pPr>
@@ -303,9 +303,9 @@
         </a:solidFill>
         <a:effectLst/>
         <a:uFillTx/>
-        <a:latin typeface="+mn-lt"/>
-        <a:ea typeface="+mn-ea"/>
-        <a:cs typeface="+mn-cs"/>
+        <a:latin typeface="+mj-lt"/>
+        <a:ea typeface="+mj-ea"/>
+        <a:cs typeface="+mj-cs"/>
         <a:sym typeface="Arial"/>
       </a:defRPr>
     </a:lvl9pPr>
@@ -390,73 +390,73 @@
   <p:notesStyle>
     <a:lvl1pPr latinLnBrk="0">
       <a:defRPr sz="1400">
-        <a:latin typeface="+mn-lt"/>
-        <a:ea typeface="+mn-ea"/>
-        <a:cs typeface="+mn-cs"/>
+        <a:latin typeface="+mj-lt"/>
+        <a:ea typeface="+mj-ea"/>
+        <a:cs typeface="+mj-cs"/>
         <a:sym typeface="Arial"/>
       </a:defRPr>
     </a:lvl1pPr>
     <a:lvl2pPr indent="228600" latinLnBrk="0">
       <a:defRPr sz="1400">
-        <a:latin typeface="+mn-lt"/>
-        <a:ea typeface="+mn-ea"/>
-        <a:cs typeface="+mn-cs"/>
+        <a:latin typeface="+mj-lt"/>
+        <a:ea typeface="+mj-ea"/>
+        <a:cs typeface="+mj-cs"/>
         <a:sym typeface="Arial"/>
       </a:defRPr>
     </a:lvl2pPr>
     <a:lvl3pPr indent="457200" latinLnBrk="0">
       <a:defRPr sz="1400">
-        <a:latin typeface="+mn-lt"/>
-        <a:ea typeface="+mn-ea"/>
-        <a:cs typeface="+mn-cs"/>
+        <a:latin typeface="+mj-lt"/>
+        <a:ea typeface="+mj-ea"/>
+        <a:cs typeface="+mj-cs"/>
         <a:sym typeface="Arial"/>
       </a:defRPr>
     </a:lvl3pPr>
     <a:lvl4pPr indent="685800" latinLnBrk="0">
       <a:defRPr sz="1400">
-        <a:latin typeface="+mn-lt"/>
-        <a:ea typeface="+mn-ea"/>
-        <a:cs typeface="+mn-cs"/>
+        <a:latin typeface="+mj-lt"/>
+        <a:ea typeface="+mj-ea"/>
+        <a:cs typeface="+mj-cs"/>
         <a:sym typeface="Arial"/>
       </a:defRPr>
     </a:lvl4pPr>
     <a:lvl5pPr indent="914400" latinLnBrk="0">
       <a:defRPr sz="1400">
-        <a:latin typeface="+mn-lt"/>
-        <a:ea typeface="+mn-ea"/>
-        <a:cs typeface="+mn-cs"/>
+        <a:latin typeface="+mj-lt"/>
+        <a:ea typeface="+mj-ea"/>
+        <a:cs typeface="+mj-cs"/>
         <a:sym typeface="Arial"/>
       </a:defRPr>
     </a:lvl5pPr>
     <a:lvl6pPr indent="1143000" latinLnBrk="0">
       <a:defRPr sz="1400">
-        <a:latin typeface="+mn-lt"/>
-        <a:ea typeface="+mn-ea"/>
-        <a:cs typeface="+mn-cs"/>
+        <a:latin typeface="+mj-lt"/>
+        <a:ea typeface="+mj-ea"/>
+        <a:cs typeface="+mj-cs"/>
         <a:sym typeface="Arial"/>
       </a:defRPr>
     </a:lvl6pPr>
     <a:lvl7pPr indent="1371600" latinLnBrk="0">
       <a:defRPr sz="1400">
-        <a:latin typeface="+mn-lt"/>
-        <a:ea typeface="+mn-ea"/>
-        <a:cs typeface="+mn-cs"/>
+        <a:latin typeface="+mj-lt"/>
+        <a:ea typeface="+mj-ea"/>
+        <a:cs typeface="+mj-cs"/>
         <a:sym typeface="Arial"/>
       </a:defRPr>
     </a:lvl7pPr>
     <a:lvl8pPr indent="1600200" latinLnBrk="0">
       <a:defRPr sz="1400">
-        <a:latin typeface="+mn-lt"/>
-        <a:ea typeface="+mn-ea"/>
-        <a:cs typeface="+mn-cs"/>
+        <a:latin typeface="+mj-lt"/>
+        <a:ea typeface="+mj-ea"/>
+        <a:cs typeface="+mj-cs"/>
         <a:sym typeface="Arial"/>
       </a:defRPr>
     </a:lvl8pPr>
     <a:lvl9pPr indent="1828800" latinLnBrk="0">
       <a:defRPr sz="1400">
-        <a:latin typeface="+mn-lt"/>
-        <a:ea typeface="+mn-ea"/>
-        <a:cs typeface="+mn-cs"/>
+        <a:latin typeface="+mj-lt"/>
+        <a:ea typeface="+mj-ea"/>
+        <a:cs typeface="+mj-cs"/>
         <a:sym typeface="Arial"/>
       </a:defRPr>
     </a:lvl9pPr>
@@ -532,18 +532,18 @@
             </a:r>
             <a:r>
               <a:rPr b="0" i="1">
-                <a:latin typeface="+mn-lt"/>
-                <a:ea typeface="+mn-ea"/>
-                <a:cs typeface="+mn-cs"/>
+                <a:latin typeface="+mj-lt"/>
+                <a:ea typeface="+mj-ea"/>
+                <a:cs typeface="+mj-cs"/>
                 <a:sym typeface="Arial"/>
               </a:rPr>
               <a:t>Create a Hypothesis with an emphasis on SMART principles. </a:t>
             </a:r>
             <a:r>
               <a:rPr i="1">
-                <a:latin typeface="+mn-lt"/>
-                <a:ea typeface="+mn-ea"/>
-                <a:cs typeface="+mn-cs"/>
+                <a:latin typeface="+mj-lt"/>
+                <a:ea typeface="+mj-ea"/>
+                <a:cs typeface="+mj-cs"/>
                 <a:sym typeface="Arial"/>
               </a:rPr>
               <a:t>(</a:t>
@@ -601,14 +601,13 @@
           </a:p>
           <a:p>
             <a:pPr>
-              <a:defRPr sz="1200">
+              <a:defRPr b="1" sz="1200">
                 <a:latin typeface="Calibri"/>
                 <a:ea typeface="Calibri"/>
                 <a:cs typeface="Calibri"/>
                 <a:sym typeface="Calibri"/>
               </a:defRPr>
             </a:pPr>
-            <a:endParaRPr b="1"/>
           </a:p>
           <a:p>
             <a:pPr>
@@ -748,17 +747,6 @@
               <a:t>Based off my discussions with the key stakeholders – can we clearly list out all the data sources we need so we can make a highly targeted request as opposed to a scatter-gun approach where we ask for a bit of everything?</a:t>
             </a:r>
           </a:p>
-          <a:p>
-            <a:pPr>
-              <a:defRPr sz="1200">
-                <a:latin typeface="Calibri"/>
-                <a:ea typeface="Calibri"/>
-                <a:cs typeface="Calibri"/>
-                <a:sym typeface="Calibri"/>
-              </a:defRPr>
-            </a:pPr>
-            <a:endParaRPr b="1"/>
-          </a:p>
         </p:txBody>
       </p:sp>
     </p:spTree>
@@ -875,8 +863,8 @@
         </p:nvSpPr>
         <p:spPr>
           <a:xfrm>
-            <a:off x="174945" y="234862"/>
-            <a:ext cx="8794113" cy="298328"/>
+            <a:off x="174945" y="234861"/>
+            <a:ext cx="8794113" cy="298330"/>
           </a:xfrm>
           <a:prstGeom prst="rect">
             <a:avLst/>
@@ -913,8 +901,8 @@
         </p:nvSpPr>
         <p:spPr>
           <a:xfrm>
-            <a:off x="457200" y="1600200"/>
-            <a:ext cx="8229600" cy="5257800"/>
+            <a:off x="5103812" y="2438400"/>
+            <a:ext cx="3581401" cy="4419600"/>
           </a:xfrm>
           <a:prstGeom prst="rect">
             <a:avLst/>
@@ -973,8 +961,8 @@
         </p:nvSpPr>
         <p:spPr>
           <a:xfrm>
-            <a:off x="4419600" y="6172200"/>
-            <a:ext cx="2133600" cy="368301"/>
+            <a:off x="6279546" y="6224224"/>
+            <a:ext cx="273654" cy="264253"/>
           </a:xfrm>
           <a:prstGeom prst="rect">
             <a:avLst/>
@@ -984,7 +972,7 @@
           </a:ln>
         </p:spPr>
         <p:txBody>
-          <a:bodyPr wrap="none" lIns="45719" rIns="45719" anchor="ctr">
+          <a:bodyPr wrap="none" lIns="45718" tIns="45718" rIns="45718" bIns="45718" anchor="ctr">
             <a:spAutoFit/>
           </a:bodyPr>
           <a:lstStyle>
@@ -1031,9 +1019,9 @@
             <a:schemeClr val="accent3"/>
           </a:solidFill>
           <a:uFillTx/>
-          <a:latin typeface="+mn-lt"/>
-          <a:ea typeface="+mn-ea"/>
-          <a:cs typeface="+mn-cs"/>
+          <a:latin typeface="+mj-lt"/>
+          <a:ea typeface="+mj-ea"/>
+          <a:cs typeface="+mj-cs"/>
           <a:sym typeface="Arial"/>
         </a:defRPr>
       </a:lvl1pPr>
@@ -1057,9 +1045,9 @@
             <a:schemeClr val="accent3"/>
           </a:solidFill>
           <a:uFillTx/>
-          <a:latin typeface="+mn-lt"/>
-          <a:ea typeface="+mn-ea"/>
-          <a:cs typeface="+mn-cs"/>
+          <a:latin typeface="+mj-lt"/>
+          <a:ea typeface="+mj-ea"/>
+          <a:cs typeface="+mj-cs"/>
           <a:sym typeface="Arial"/>
         </a:defRPr>
       </a:lvl2pPr>
@@ -1083,9 +1071,9 @@
             <a:schemeClr val="accent3"/>
           </a:solidFill>
           <a:uFillTx/>
-          <a:latin typeface="+mn-lt"/>
-          <a:ea typeface="+mn-ea"/>
-          <a:cs typeface="+mn-cs"/>
+          <a:latin typeface="+mj-lt"/>
+          <a:ea typeface="+mj-ea"/>
+          <a:cs typeface="+mj-cs"/>
           <a:sym typeface="Arial"/>
         </a:defRPr>
       </a:lvl3pPr>
@@ -1109,9 +1097,9 @@
             <a:schemeClr val="accent3"/>
           </a:solidFill>
           <a:uFillTx/>
-          <a:latin typeface="+mn-lt"/>
-          <a:ea typeface="+mn-ea"/>
-          <a:cs typeface="+mn-cs"/>
+          <a:latin typeface="+mj-lt"/>
+          <a:ea typeface="+mj-ea"/>
+          <a:cs typeface="+mj-cs"/>
           <a:sym typeface="Arial"/>
         </a:defRPr>
       </a:lvl4pPr>
@@ -1135,9 +1123,9 @@
             <a:schemeClr val="accent3"/>
           </a:solidFill>
           <a:uFillTx/>
-          <a:latin typeface="+mn-lt"/>
-          <a:ea typeface="+mn-ea"/>
-          <a:cs typeface="+mn-cs"/>
+          <a:latin typeface="+mj-lt"/>
+          <a:ea typeface="+mj-ea"/>
+          <a:cs typeface="+mj-cs"/>
           <a:sym typeface="Arial"/>
         </a:defRPr>
       </a:lvl5pPr>
@@ -1161,9 +1149,9 @@
             <a:schemeClr val="accent3"/>
           </a:solidFill>
           <a:uFillTx/>
-          <a:latin typeface="+mn-lt"/>
-          <a:ea typeface="+mn-ea"/>
-          <a:cs typeface="+mn-cs"/>
+          <a:latin typeface="+mj-lt"/>
+          <a:ea typeface="+mj-ea"/>
+          <a:cs typeface="+mj-cs"/>
           <a:sym typeface="Arial"/>
         </a:defRPr>
       </a:lvl6pPr>
@@ -1187,9 +1175,9 @@
             <a:schemeClr val="accent3"/>
           </a:solidFill>
           <a:uFillTx/>
-          <a:latin typeface="+mn-lt"/>
-          <a:ea typeface="+mn-ea"/>
-          <a:cs typeface="+mn-cs"/>
+          <a:latin typeface="+mj-lt"/>
+          <a:ea typeface="+mj-ea"/>
+          <a:cs typeface="+mj-cs"/>
           <a:sym typeface="Arial"/>
         </a:defRPr>
       </a:lvl7pPr>
@@ -1213,9 +1201,9 @@
             <a:schemeClr val="accent3"/>
           </a:solidFill>
           <a:uFillTx/>
-          <a:latin typeface="+mn-lt"/>
-          <a:ea typeface="+mn-ea"/>
-          <a:cs typeface="+mn-cs"/>
+          <a:latin typeface="+mj-lt"/>
+          <a:ea typeface="+mj-ea"/>
+          <a:cs typeface="+mj-cs"/>
           <a:sym typeface="Arial"/>
         </a:defRPr>
       </a:lvl8pPr>
@@ -1239,15 +1227,15 @@
             <a:schemeClr val="accent3"/>
           </a:solidFill>
           <a:uFillTx/>
-          <a:latin typeface="+mn-lt"/>
-          <a:ea typeface="+mn-ea"/>
-          <a:cs typeface="+mn-cs"/>
+          <a:latin typeface="+mj-lt"/>
+          <a:ea typeface="+mj-ea"/>
+          <a:cs typeface="+mj-cs"/>
           <a:sym typeface="Arial"/>
         </a:defRPr>
       </a:lvl9pPr>
     </p:titleStyle>
     <p:bodyStyle>
-      <a:lvl1pPr marL="228600" marR="0" indent="0" algn="l" defTabSz="914400" rtl="0" latinLnBrk="0">
+      <a:lvl1pPr marL="0" marR="0" indent="228600" algn="l" defTabSz="914400" rtl="0" latinLnBrk="0">
         <a:lnSpc>
           <a:spcPct val="100000"/>
         </a:lnSpc>
@@ -1267,9 +1255,9 @@
             <a:schemeClr val="accent3"/>
           </a:solidFill>
           <a:uFillTx/>
-          <a:latin typeface="+mn-lt"/>
-          <a:ea typeface="+mn-ea"/>
-          <a:cs typeface="+mn-cs"/>
+          <a:latin typeface="+mj-lt"/>
+          <a:ea typeface="+mj-ea"/>
+          <a:cs typeface="+mj-cs"/>
           <a:sym typeface="Arial"/>
         </a:defRPr>
       </a:lvl1pPr>
@@ -1293,9 +1281,9 @@
             <a:schemeClr val="accent3"/>
           </a:solidFill>
           <a:uFillTx/>
-          <a:latin typeface="+mn-lt"/>
-          <a:ea typeface="+mn-ea"/>
-          <a:cs typeface="+mn-cs"/>
+          <a:latin typeface="+mj-lt"/>
+          <a:ea typeface="+mj-ea"/>
+          <a:cs typeface="+mj-cs"/>
           <a:sym typeface="Arial"/>
         </a:defRPr>
       </a:lvl2pPr>
@@ -1319,9 +1307,9 @@
             <a:schemeClr val="accent3"/>
           </a:solidFill>
           <a:uFillTx/>
-          <a:latin typeface="+mn-lt"/>
-          <a:ea typeface="+mn-ea"/>
-          <a:cs typeface="+mn-cs"/>
+          <a:latin typeface="+mj-lt"/>
+          <a:ea typeface="+mj-ea"/>
+          <a:cs typeface="+mj-cs"/>
           <a:sym typeface="Arial"/>
         </a:defRPr>
       </a:lvl3pPr>
@@ -1345,13 +1333,13 @@
             <a:schemeClr val="accent3"/>
           </a:solidFill>
           <a:uFillTx/>
-          <a:latin typeface="+mn-lt"/>
-          <a:ea typeface="+mn-ea"/>
-          <a:cs typeface="+mn-cs"/>
+          <a:latin typeface="+mj-lt"/>
+          <a:ea typeface="+mj-ea"/>
+          <a:cs typeface="+mj-cs"/>
           <a:sym typeface="Arial"/>
         </a:defRPr>
       </a:lvl4pPr>
-      <a:lvl5pPr marL="2286000" marR="0" indent="-320800" algn="l" defTabSz="914400" rtl="0" latinLnBrk="0">
+      <a:lvl5pPr marL="2286000" marR="0" indent="-320799" algn="l" defTabSz="914400" rtl="0" latinLnBrk="0">
         <a:lnSpc>
           <a:spcPct val="100000"/>
         </a:lnSpc>
@@ -1371,13 +1359,13 @@
             <a:schemeClr val="accent3"/>
           </a:solidFill>
           <a:uFillTx/>
-          <a:latin typeface="+mn-lt"/>
-          <a:ea typeface="+mn-ea"/>
-          <a:cs typeface="+mn-cs"/>
+          <a:latin typeface="+mj-lt"/>
+          <a:ea typeface="+mj-ea"/>
+          <a:cs typeface="+mj-cs"/>
           <a:sym typeface="Arial"/>
         </a:defRPr>
       </a:lvl5pPr>
-      <a:lvl6pPr marL="2743200" marR="0" indent="-320800" algn="l" defTabSz="914400" rtl="0" latinLnBrk="0">
+      <a:lvl6pPr marL="2743200" marR="0" indent="-320799" algn="l" defTabSz="914400" rtl="0" latinLnBrk="0">
         <a:lnSpc>
           <a:spcPct val="100000"/>
         </a:lnSpc>
@@ -1397,13 +1385,13 @@
             <a:schemeClr val="accent3"/>
           </a:solidFill>
           <a:uFillTx/>
-          <a:latin typeface="+mn-lt"/>
-          <a:ea typeface="+mn-ea"/>
-          <a:cs typeface="+mn-cs"/>
+          <a:latin typeface="+mj-lt"/>
+          <a:ea typeface="+mj-ea"/>
+          <a:cs typeface="+mj-cs"/>
           <a:sym typeface="Arial"/>
         </a:defRPr>
       </a:lvl6pPr>
-      <a:lvl7pPr marL="3200400" marR="0" indent="-320800" algn="l" defTabSz="914400" rtl="0" latinLnBrk="0">
+      <a:lvl7pPr marL="3200400" marR="0" indent="-320799" algn="l" defTabSz="914400" rtl="0" latinLnBrk="0">
         <a:lnSpc>
           <a:spcPct val="100000"/>
         </a:lnSpc>
@@ -1423,9 +1411,9 @@
             <a:schemeClr val="accent3"/>
           </a:solidFill>
           <a:uFillTx/>
-          <a:latin typeface="+mn-lt"/>
-          <a:ea typeface="+mn-ea"/>
-          <a:cs typeface="+mn-cs"/>
+          <a:latin typeface="+mj-lt"/>
+          <a:ea typeface="+mj-ea"/>
+          <a:cs typeface="+mj-cs"/>
           <a:sym typeface="Arial"/>
         </a:defRPr>
       </a:lvl7pPr>
@@ -1449,9 +1437,9 @@
             <a:schemeClr val="accent3"/>
           </a:solidFill>
           <a:uFillTx/>
-          <a:latin typeface="+mn-lt"/>
-          <a:ea typeface="+mn-ea"/>
-          <a:cs typeface="+mn-cs"/>
+          <a:latin typeface="+mj-lt"/>
+          <a:ea typeface="+mj-ea"/>
+          <a:cs typeface="+mj-cs"/>
           <a:sym typeface="Arial"/>
         </a:defRPr>
       </a:lvl8pPr>
@@ -1475,9 +1463,9 @@
             <a:schemeClr val="accent3"/>
           </a:solidFill>
           <a:uFillTx/>
-          <a:latin typeface="+mn-lt"/>
-          <a:ea typeface="+mn-ea"/>
-          <a:cs typeface="+mn-cs"/>
+          <a:latin typeface="+mj-lt"/>
+          <a:ea typeface="+mj-ea"/>
+          <a:cs typeface="+mj-cs"/>
           <a:sym typeface="Arial"/>
         </a:defRPr>
       </a:lvl9pPr>
@@ -1747,8 +1735,8 @@
         </p:nvSpPr>
         <p:spPr>
           <a:xfrm>
-            <a:off x="137948" y="1576012"/>
-            <a:ext cx="4344158" cy="4681065"/>
+            <a:off x="137947" y="1576012"/>
+            <a:ext cx="4344160" cy="4681066"/>
           </a:xfrm>
           <a:prstGeom prst="rect">
             <a:avLst/>
@@ -1786,7 +1774,7 @@
         <p:spPr>
           <a:xfrm>
             <a:off x="4587387" y="1576012"/>
-            <a:ext cx="4344157" cy="4681065"/>
+            <a:ext cx="4344158" cy="4681066"/>
           </a:xfrm>
           <a:prstGeom prst="rect">
             <a:avLst/>
@@ -1823,10 +1811,10 @@
         </p:nvGrpSpPr>
         <p:grpSpPr>
           <a:xfrm>
-            <a:off x="218936" y="1616017"/>
-            <a:ext cx="288316" cy="292535"/>
-            <a:chOff x="0" y="0"/>
-            <a:chExt cx="288315" cy="292533"/>
+            <a:off x="218936" y="1616015"/>
+            <a:ext cx="288318" cy="292535"/>
+            <a:chOff x="0" y="-1"/>
+            <a:chExt cx="288316" cy="292533"/>
           </a:xfrm>
         </p:grpSpPr>
         <p:sp>
@@ -1838,7 +1826,7 @@
           <p:spPr>
             <a:xfrm>
               <a:off x="0" y="2109"/>
-              <a:ext cx="288316" cy="288316"/>
+              <a:ext cx="288318" cy="288319"/>
             </a:xfrm>
             <a:prstGeom prst="rect">
               <a:avLst/>
@@ -1876,8 +1864,8 @@
           </p:nvSpPr>
           <p:spPr>
             <a:xfrm>
-              <a:off x="0" y="-1"/>
-              <a:ext cx="288316" cy="292535"/>
+              <a:off x="0" y="-2"/>
+              <a:ext cx="288318" cy="292535"/>
             </a:xfrm>
             <a:prstGeom prst="rect">
               <a:avLst/>
@@ -1924,10 +1912,10 @@
         </p:nvGrpSpPr>
         <p:grpSpPr>
           <a:xfrm>
-            <a:off x="4668375" y="1616017"/>
-            <a:ext cx="288316" cy="292535"/>
-            <a:chOff x="0" y="0"/>
-            <a:chExt cx="288315" cy="292533"/>
+            <a:off x="4668375" y="1616015"/>
+            <a:ext cx="288318" cy="292535"/>
+            <a:chOff x="0" y="-1"/>
+            <a:chExt cx="288316" cy="292533"/>
           </a:xfrm>
         </p:grpSpPr>
         <p:sp>
@@ -1939,7 +1927,7 @@
           <p:spPr>
             <a:xfrm>
               <a:off x="0" y="2109"/>
-              <a:ext cx="288316" cy="288316"/>
+              <a:ext cx="288318" cy="288319"/>
             </a:xfrm>
             <a:prstGeom prst="rect">
               <a:avLst/>
@@ -1977,8 +1965,8 @@
           </p:nvSpPr>
           <p:spPr>
             <a:xfrm>
-              <a:off x="0" y="-1"/>
-              <a:ext cx="288316" cy="292535"/>
+              <a:off x="0" y="-2"/>
+              <a:ext cx="288318" cy="292535"/>
             </a:xfrm>
             <a:prstGeom prst="rect">
               <a:avLst/>
@@ -2025,8 +2013,8 @@
         </p:nvSpPr>
         <p:spPr>
           <a:xfrm>
-            <a:off x="601194" y="1663590"/>
-            <a:ext cx="3597456" cy="197385"/>
+            <a:off x="601194" y="1663589"/>
+            <a:ext cx="3597457" cy="197385"/>
           </a:xfrm>
           <a:prstGeom prst="rect">
             <a:avLst/>
@@ -2061,8 +2049,8 @@
         </p:nvSpPr>
         <p:spPr>
           <a:xfrm>
-            <a:off x="5050633" y="1663590"/>
-            <a:ext cx="3597456" cy="197385"/>
+            <a:off x="5050633" y="1663589"/>
+            <a:ext cx="3597457" cy="197385"/>
           </a:xfrm>
           <a:prstGeom prst="rect">
             <a:avLst/>
@@ -2097,10 +2085,10 @@
         </p:nvGrpSpPr>
         <p:grpSpPr>
           <a:xfrm>
-            <a:off x="4668375" y="3204986"/>
-            <a:ext cx="288316" cy="292535"/>
-            <a:chOff x="0" y="0"/>
-            <a:chExt cx="288315" cy="292533"/>
+            <a:off x="4668375" y="3204984"/>
+            <a:ext cx="288318" cy="292535"/>
+            <a:chOff x="0" y="-1"/>
+            <a:chExt cx="288316" cy="292533"/>
           </a:xfrm>
         </p:grpSpPr>
         <p:sp>
@@ -2112,7 +2100,7 @@
           <p:spPr>
             <a:xfrm>
               <a:off x="0" y="2109"/>
-              <a:ext cx="288316" cy="288316"/>
+              <a:ext cx="288318" cy="288319"/>
             </a:xfrm>
             <a:prstGeom prst="rect">
               <a:avLst/>
@@ -2150,8 +2138,8 @@
           </p:nvSpPr>
           <p:spPr>
             <a:xfrm>
-              <a:off x="0" y="-1"/>
-              <a:ext cx="288316" cy="292535"/>
+              <a:off x="0" y="-2"/>
+              <a:ext cx="288318" cy="292535"/>
             </a:xfrm>
             <a:prstGeom prst="rect">
               <a:avLst/>
@@ -2198,10 +2186,10 @@
         </p:nvGrpSpPr>
         <p:grpSpPr>
           <a:xfrm>
-            <a:off x="218936" y="3204986"/>
-            <a:ext cx="288316" cy="292535"/>
-            <a:chOff x="0" y="0"/>
-            <a:chExt cx="288315" cy="292533"/>
+            <a:off x="218936" y="3546675"/>
+            <a:ext cx="288318" cy="292535"/>
+            <a:chOff x="0" y="-1"/>
+            <a:chExt cx="288316" cy="292533"/>
           </a:xfrm>
         </p:grpSpPr>
         <p:sp>
@@ -2213,7 +2201,7 @@
           <p:spPr>
             <a:xfrm>
               <a:off x="0" y="2109"/>
-              <a:ext cx="288316" cy="288316"/>
+              <a:ext cx="288318" cy="288319"/>
             </a:xfrm>
             <a:prstGeom prst="rect">
               <a:avLst/>
@@ -2251,8 +2239,8 @@
           </p:nvSpPr>
           <p:spPr>
             <a:xfrm>
-              <a:off x="0" y="-1"/>
-              <a:ext cx="288316" cy="292535"/>
+              <a:off x="0" y="-2"/>
+              <a:ext cx="288318" cy="292535"/>
             </a:xfrm>
             <a:prstGeom prst="rect">
               <a:avLst/>
@@ -2299,7 +2287,7 @@
         </p:nvSpPr>
         <p:spPr>
           <a:xfrm>
-            <a:off x="601194" y="3252561"/>
+            <a:off x="550323" y="3594251"/>
             <a:ext cx="3597456" cy="197385"/>
           </a:xfrm>
           <a:prstGeom prst="rect">
@@ -2336,7 +2324,7 @@
         <p:spPr>
           <a:xfrm>
             <a:off x="5050633" y="3252561"/>
-            <a:ext cx="3597456" cy="197385"/>
+            <a:ext cx="3597457" cy="197384"/>
           </a:xfrm>
           <a:prstGeom prst="rect">
             <a:avLst/>
@@ -2371,10 +2359,10 @@
         </p:nvGrpSpPr>
         <p:grpSpPr>
           <a:xfrm>
-            <a:off x="218936" y="4795575"/>
-            <a:ext cx="288316" cy="292535"/>
-            <a:chOff x="0" y="0"/>
-            <a:chExt cx="288315" cy="292533"/>
+            <a:off x="218936" y="4795574"/>
+            <a:ext cx="288318" cy="292534"/>
+            <a:chOff x="0" y="-1"/>
+            <a:chExt cx="288316" cy="292533"/>
           </a:xfrm>
         </p:grpSpPr>
         <p:sp>
@@ -2386,7 +2374,7 @@
           <p:spPr>
             <a:xfrm>
               <a:off x="0" y="2109"/>
-              <a:ext cx="288316" cy="288316"/>
+              <a:ext cx="288318" cy="288319"/>
             </a:xfrm>
             <a:prstGeom prst="rect">
               <a:avLst/>
@@ -2424,8 +2412,8 @@
           </p:nvSpPr>
           <p:spPr>
             <a:xfrm>
-              <a:off x="0" y="-1"/>
-              <a:ext cx="288316" cy="292535"/>
+              <a:off x="0" y="-2"/>
+              <a:ext cx="288318" cy="292535"/>
             </a:xfrm>
             <a:prstGeom prst="rect">
               <a:avLst/>
@@ -2472,10 +2460,10 @@
         </p:nvGrpSpPr>
         <p:grpSpPr>
           <a:xfrm>
-            <a:off x="4668375" y="4795575"/>
-            <a:ext cx="288316" cy="292535"/>
-            <a:chOff x="0" y="0"/>
-            <a:chExt cx="288315" cy="292533"/>
+            <a:off x="4668375" y="4795574"/>
+            <a:ext cx="288318" cy="292534"/>
+            <a:chOff x="0" y="-1"/>
+            <a:chExt cx="288316" cy="292533"/>
           </a:xfrm>
         </p:grpSpPr>
         <p:sp>
@@ -2487,7 +2475,7 @@
           <p:spPr>
             <a:xfrm>
               <a:off x="0" y="2109"/>
-              <a:ext cx="288316" cy="288316"/>
+              <a:ext cx="288318" cy="288319"/>
             </a:xfrm>
             <a:prstGeom prst="rect">
               <a:avLst/>
@@ -2525,8 +2513,8 @@
           </p:nvSpPr>
           <p:spPr>
             <a:xfrm>
-              <a:off x="0" y="-1"/>
-              <a:ext cx="288316" cy="292535"/>
+              <a:off x="0" y="-2"/>
+              <a:ext cx="288318" cy="292535"/>
             </a:xfrm>
             <a:prstGeom prst="rect">
               <a:avLst/>
@@ -2574,7 +2562,7 @@
         <p:spPr>
           <a:xfrm>
             <a:off x="601194" y="4843150"/>
-            <a:ext cx="3597456" cy="197384"/>
+            <a:ext cx="3597457" cy="197384"/>
           </a:xfrm>
           <a:prstGeom prst="rect">
             <a:avLst/>
@@ -2610,7 +2598,7 @@
         <p:spPr>
           <a:xfrm>
             <a:off x="5050633" y="4843150"/>
-            <a:ext cx="3597456" cy="197385"/>
+            <a:ext cx="3597457" cy="197384"/>
           </a:xfrm>
           <a:prstGeom prst="rect">
             <a:avLst/>
@@ -2645,8 +2633,8 @@
         </p:nvSpPr>
         <p:spPr>
           <a:xfrm>
-            <a:off x="188833" y="1964975"/>
-            <a:ext cx="4232969" cy="1204847"/>
+            <a:off x="193543" y="1936831"/>
+            <a:ext cx="4232968" cy="1412199"/>
           </a:xfrm>
           <a:prstGeom prst="rect">
             <a:avLst/>
@@ -2666,36 +2654,48 @@
           </a:bodyPr>
           <a:lstStyle/>
           <a:p>
-            <a:pPr>
-              <a:defRPr b="1" sz="1000">
+            <a:pPr defTabSz="457200">
+              <a:defRPr b="1" sz="1100">
                 <a:solidFill>
-                  <a:srgbClr val="000000"/>
+                  <a:srgbClr val="0E101A"/>
                 </a:solidFill>
+                <a:latin typeface="Times Roman"/>
+                <a:ea typeface="Times Roman"/>
+                <a:cs typeface="Times Roman"/>
+                <a:sym typeface="Times Roman"/>
               </a:defRPr>
             </a:pPr>
             <a:r>
-              <a:t>Nordic Sensor Company(NSC), a top five in the Hot sensor space focusing on energy consumption and production. In early stage development testing, normal failure rate of 1-2% which is normal for  manufacturing the InSense sensor. </a:t>
+              <a:t>Nordic Sensor Company(NSC), a top-five in the Hot sensor space, focusing on energy consumption and production. In early-stage development testing, a typical failure rate of 1-2% is average for manufacturing the InSense sensor. </a:t>
             </a:r>
           </a:p>
           <a:p>
-            <a:pPr>
-              <a:defRPr b="1" sz="1000">
+            <a:pPr defTabSz="457200">
+              <a:defRPr sz="1100">
                 <a:solidFill>
-                  <a:srgbClr val="000000"/>
+                  <a:srgbClr val="0E101A"/>
                 </a:solidFill>
+                <a:latin typeface="Times Roman"/>
+                <a:ea typeface="Times Roman"/>
+                <a:cs typeface="Times Roman"/>
+                <a:sym typeface="Times Roman"/>
               </a:defRPr>
             </a:pPr>
           </a:p>
           <a:p>
-            <a:pPr>
-              <a:defRPr b="1" sz="1000">
+            <a:pPr defTabSz="457200">
+              <a:defRPr b="1" sz="1100">
                 <a:solidFill>
-                  <a:srgbClr val="000000"/>
+                  <a:srgbClr val="0E101A"/>
                 </a:solidFill>
+                <a:latin typeface="Times Roman"/>
+                <a:ea typeface="Times Roman"/>
+                <a:cs typeface="Times Roman"/>
+                <a:sym typeface="Times Roman"/>
               </a:defRPr>
             </a:pPr>
             <a:r>
-              <a:t>VP of InSense communicated that current failure rate is 15% and increase failure rate could be due to a combination of faulty parts, poor manufacturing, and/or it could be specific to a one factory.  </a:t>
+              <a:t>VP of InSense communicated that or current failure rate is at 15%. An increased failure rate could be due to a combination of faulty parts, poor manufacturing, and it could be specific to one factory. </a:t>
             </a:r>
           </a:p>
         </p:txBody>
@@ -2708,8 +2708,148 @@
         </p:nvSpPr>
         <p:spPr>
           <a:xfrm>
-            <a:off x="232567" y="3546678"/>
-            <a:ext cx="4232969" cy="366646"/>
+            <a:off x="248764" y="3963225"/>
+            <a:ext cx="4232971" cy="446999"/>
+          </a:xfrm>
+          <a:prstGeom prst="rect">
+            <a:avLst/>
+          </a:prstGeom>
+          <a:ln w="12700">
+            <a:miter lim="400000"/>
+          </a:ln>
+          <a:extLst>
+            <a:ext uri="{C572A759-6A51-4108-AA02-DFA0A04FC94B}">
+              <ma14:wrappingTextBoxFlag xmlns:ma14="http://schemas.microsoft.com/office/mac/drawingml/2011/main" val="1"/>
+            </a:ext>
+          </a:extLst>
+        </p:spPr>
+        <p:txBody>
+          <a:bodyPr lIns="45699" tIns="45699" rIns="45699" bIns="45699">
+            <a:spAutoFit/>
+          </a:bodyPr>
+          <a:lstStyle/>
+          <a:p>
+            <a:pPr defTabSz="457200">
+              <a:defRPr b="1" sz="1200">
+                <a:solidFill>
+                  <a:srgbClr val="0E101A"/>
+                </a:solidFill>
+                <a:latin typeface="Times Roman"/>
+                <a:ea typeface="Times Roman"/>
+                <a:cs typeface="Times Roman"/>
+                <a:sym typeface="Times Roman"/>
+              </a:defRPr>
+            </a:pPr>
+            <a:r>
+              <a:t>- Determine the cause of failure rate increasing to 15% </a:t>
+            </a:r>
+          </a:p>
+          <a:p>
+            <a:pPr defTabSz="457200">
+              <a:defRPr b="1" sz="1200">
+                <a:solidFill>
+                  <a:srgbClr val="0E101A"/>
+                </a:solidFill>
+                <a:latin typeface="Times Roman"/>
+                <a:ea typeface="Times Roman"/>
+                <a:cs typeface="Times Roman"/>
+                <a:sym typeface="Times Roman"/>
+              </a:defRPr>
+            </a:pPr>
+            <a:r>
+              <a:t>- Reduce the failure rate back down below 5%</a:t>
+            </a:r>
+          </a:p>
+        </p:txBody>
+      </p:sp>
+      <p:sp>
+        <p:nvSpPr>
+          <p:cNvPr id="49" name="Google Shape;36;p1"/>
+          <p:cNvSpPr txBox="1"/>
+          <p:nvPr/>
+        </p:nvSpPr>
+        <p:spPr>
+          <a:xfrm>
+            <a:off x="232566" y="5184804"/>
+            <a:ext cx="4232971" cy="980399"/>
+          </a:xfrm>
+          <a:prstGeom prst="rect">
+            <a:avLst/>
+          </a:prstGeom>
+          <a:ln w="12700">
+            <a:miter lim="400000"/>
+          </a:ln>
+          <a:extLst>
+            <a:ext uri="{C572A759-6A51-4108-AA02-DFA0A04FC94B}">
+              <ma14:wrappingTextBoxFlag xmlns:ma14="http://schemas.microsoft.com/office/mac/drawingml/2011/main" val="1"/>
+            </a:ext>
+          </a:extLst>
+        </p:spPr>
+        <p:txBody>
+          <a:bodyPr lIns="45699" tIns="45699" rIns="45699" bIns="45699">
+            <a:spAutoFit/>
+          </a:bodyPr>
+          <a:lstStyle/>
+          <a:p>
+            <a:pPr defTabSz="457200">
+              <a:defRPr b="1" sz="1200">
+                <a:solidFill>
+                  <a:srgbClr val="0E101A"/>
+                </a:solidFill>
+                <a:latin typeface="Times Roman"/>
+                <a:ea typeface="Times Roman"/>
+                <a:cs typeface="Times Roman"/>
+                <a:sym typeface="Times Roman"/>
+              </a:defRPr>
+            </a:pPr>
+            <a:r>
+              <a:t>Determine if our manufacturing is causing a sharp increase in sensor failure rate.</a:t>
+            </a:r>
+          </a:p>
+          <a:p>
+            <a:pPr defTabSz="457200">
+              <a:defRPr b="1" sz="1200">
+                <a:solidFill>
+                  <a:srgbClr val="0E101A"/>
+                </a:solidFill>
+                <a:latin typeface="Times Roman"/>
+                <a:ea typeface="Times Roman"/>
+                <a:cs typeface="Times Roman"/>
+                <a:sym typeface="Times Roman"/>
+              </a:defRPr>
+            </a:pPr>
+            <a:r>
+              <a:t>Determine if this high failure rate is specific to a specific factory.</a:t>
+            </a:r>
+          </a:p>
+          <a:p>
+            <a:pPr defTabSz="457200">
+              <a:defRPr b="1" sz="1200">
+                <a:solidFill>
+                  <a:srgbClr val="0E101A"/>
+                </a:solidFill>
+                <a:latin typeface="Times Roman"/>
+                <a:ea typeface="Times Roman"/>
+                <a:cs typeface="Times Roman"/>
+                <a:sym typeface="Times Roman"/>
+              </a:defRPr>
+            </a:pPr>
+            <a:r>
+              <a:t>Determine if the increased failure rate is related to a supplier.</a:t>
+            </a:r>
+          </a:p>
+        </p:txBody>
+      </p:sp>
+      <p:sp>
+        <p:nvSpPr>
+          <p:cNvPr id="50" name="Google Shape;37;p1"/>
+          <p:cNvSpPr txBox="1"/>
+          <p:nvPr/>
+        </p:nvSpPr>
+        <p:spPr>
+          <a:xfrm>
+            <a:off x="4603956" y="1963919"/>
+            <a:ext cx="4232970" cy="366644"/>
           </a:xfrm>
           <a:prstGeom prst="rect">
             <a:avLst/>
@@ -2739,85 +2879,7 @@
           <a:p>
             <a:pPr/>
             <a:r>
-              <a:t>Determine if our manufacturing is causing sharp increase in sensor failure rate</a:t>
-            </a:r>
-          </a:p>
-        </p:txBody>
-      </p:sp>
-      <p:sp>
-        <p:nvSpPr>
-          <p:cNvPr id="49" name="Google Shape;36;p1"/>
-          <p:cNvSpPr txBox="1"/>
-          <p:nvPr/>
-        </p:nvSpPr>
-        <p:spPr>
-          <a:xfrm>
-            <a:off x="232567" y="5184804"/>
-            <a:ext cx="4232969" cy="226947"/>
-          </a:xfrm>
-          <a:prstGeom prst="rect">
-            <a:avLst/>
-          </a:prstGeom>
-          <a:ln w="12700">
-            <a:miter lim="400000"/>
-          </a:ln>
-        </p:spPr>
-        <p:txBody>
-          <a:bodyPr lIns="45699" tIns="45699" rIns="45699" bIns="45699">
-            <a:spAutoFit/>
-          </a:bodyPr>
-          <a:lstStyle/>
-          <a:p>
-            <a:pPr>
-              <a:defRPr sz="1000">
-                <a:solidFill>
-                  <a:srgbClr val="000000"/>
-                </a:solidFill>
-              </a:defRPr>
-            </a:pPr>
-          </a:p>
-        </p:txBody>
-      </p:sp>
-      <p:sp>
-        <p:nvSpPr>
-          <p:cNvPr id="50" name="Google Shape;37;p1"/>
-          <p:cNvSpPr txBox="1"/>
-          <p:nvPr/>
-        </p:nvSpPr>
-        <p:spPr>
-          <a:xfrm>
-            <a:off x="4603956" y="1963919"/>
-            <a:ext cx="4232969" cy="366646"/>
-          </a:xfrm>
-          <a:prstGeom prst="rect">
-            <a:avLst/>
-          </a:prstGeom>
-          <a:ln w="12700">
-            <a:miter lim="400000"/>
-          </a:ln>
-          <a:extLst>
-            <a:ext uri="{C572A759-6A51-4108-AA02-DFA0A04FC94B}">
-              <ma14:wrappingTextBoxFlag xmlns:ma14="http://schemas.microsoft.com/office/mac/drawingml/2011/main" val="1"/>
-            </a:ext>
-          </a:extLst>
-        </p:spPr>
-        <p:txBody>
-          <a:bodyPr lIns="45699" tIns="45699" rIns="45699" bIns="45699">
-            <a:spAutoFit/>
-          </a:bodyPr>
-          <a:lstStyle>
-            <a:lvl1pPr>
-              <a:defRPr b="1" sz="1000">
-                <a:solidFill>
-                  <a:srgbClr val="000000"/>
-                </a:solidFill>
-              </a:defRPr>
-            </a:lvl1pPr>
-          </a:lstStyle>
-          <a:p>
-            <a:pPr/>
-            <a:r>
-              <a:t>Full dataset from Cert may be required to provide stronger correlation within the dataset</a:t>
+              <a:t>A full dataset from Cert will be required to provide a complete analysis.</a:t>
             </a:r>
           </a:p>
         </p:txBody>
@@ -2830,8 +2892,8 @@
         </p:nvSpPr>
         <p:spPr>
           <a:xfrm>
-            <a:off x="4636653" y="5085174"/>
-            <a:ext cx="4232969" cy="226946"/>
+            <a:off x="4636652" y="5085174"/>
+            <a:ext cx="4232971" cy="226944"/>
           </a:xfrm>
           <a:prstGeom prst="rect">
             <a:avLst/>
@@ -2875,9 +2937,9 @@
         <p:grpSpPr>
           <a:xfrm>
             <a:off x="6633336" y="6492476"/>
-            <a:ext cx="432049" cy="269201"/>
+            <a:ext cx="432051" cy="269199"/>
             <a:chOff x="0" y="0"/>
-            <a:chExt cx="432047" cy="269199"/>
+            <a:chExt cx="432049" cy="269198"/>
           </a:xfrm>
         </p:grpSpPr>
         <p:sp>
@@ -2889,7 +2951,7 @@
           <p:spPr>
             <a:xfrm>
               <a:off x="0" y="31941"/>
-              <a:ext cx="432048" cy="205318"/>
+              <a:ext cx="432051" cy="205320"/>
             </a:xfrm>
             <a:prstGeom prst="chevron">
               <a:avLst>
@@ -2932,8 +2994,8 @@
           </p:nvSpPr>
           <p:spPr>
             <a:xfrm>
-              <a:off x="153146" y="0"/>
-              <a:ext cx="125757" cy="269200"/>
+              <a:off x="153146" y="-1"/>
+              <a:ext cx="125758" cy="269199"/>
             </a:xfrm>
             <a:prstGeom prst="rect">
               <a:avLst/>
@@ -2985,9 +3047,9 @@
         <p:grpSpPr>
           <a:xfrm>
             <a:off x="7028512" y="6487123"/>
-            <a:ext cx="432049" cy="269201"/>
+            <a:ext cx="432051" cy="269199"/>
             <a:chOff x="0" y="0"/>
-            <a:chExt cx="432047" cy="269199"/>
+            <a:chExt cx="432049" cy="269198"/>
           </a:xfrm>
         </p:grpSpPr>
         <p:sp>
@@ -2999,7 +3061,7 @@
           <p:spPr>
             <a:xfrm>
               <a:off x="0" y="26588"/>
-              <a:ext cx="432048" cy="216025"/>
+              <a:ext cx="432051" cy="216027"/>
             </a:xfrm>
             <a:prstGeom prst="chevron">
               <a:avLst>
@@ -3040,7 +3102,7 @@
           <p:spPr>
             <a:xfrm>
               <a:off x="153736" y="0"/>
-              <a:ext cx="124576" cy="269201"/>
+              <a:ext cx="124577" cy="269199"/>
             </a:xfrm>
             <a:prstGeom prst="rect">
               <a:avLst/>
@@ -3092,9 +3154,9 @@
         <p:grpSpPr>
           <a:xfrm>
             <a:off x="7452320" y="6476415"/>
-            <a:ext cx="432049" cy="269201"/>
+            <a:ext cx="432051" cy="269199"/>
             <a:chOff x="0" y="0"/>
-            <a:chExt cx="432047" cy="269199"/>
+            <a:chExt cx="432049" cy="269198"/>
           </a:xfrm>
         </p:grpSpPr>
         <p:sp>
@@ -3106,7 +3168,7 @@
           <p:spPr>
             <a:xfrm>
               <a:off x="0" y="26588"/>
-              <a:ext cx="432048" cy="216025"/>
+              <a:ext cx="432051" cy="216027"/>
             </a:xfrm>
             <a:prstGeom prst="chevron">
               <a:avLst>
@@ -3147,7 +3209,7 @@
           <p:spPr>
             <a:xfrm>
               <a:off x="153736" y="0"/>
-              <a:ext cx="124576" cy="269201"/>
+              <a:ext cx="124577" cy="269199"/>
             </a:xfrm>
             <a:prstGeom prst="rect">
               <a:avLst/>
@@ -3199,9 +3261,9 @@
         <p:grpSpPr>
           <a:xfrm>
             <a:off x="7846662" y="6481493"/>
-            <a:ext cx="432049" cy="269201"/>
+            <a:ext cx="432051" cy="269199"/>
             <a:chOff x="0" y="0"/>
-            <a:chExt cx="432047" cy="269199"/>
+            <a:chExt cx="432049" cy="269198"/>
           </a:xfrm>
         </p:grpSpPr>
         <p:sp>
@@ -3213,7 +3275,7 @@
           <p:spPr>
             <a:xfrm>
               <a:off x="0" y="26588"/>
-              <a:ext cx="432048" cy="216025"/>
+              <a:ext cx="432051" cy="216027"/>
             </a:xfrm>
             <a:prstGeom prst="chevron">
               <a:avLst>
@@ -3254,7 +3316,7 @@
           <p:spPr>
             <a:xfrm>
               <a:off x="153736" y="0"/>
-              <a:ext cx="124576" cy="269201"/>
+              <a:ext cx="124577" cy="269199"/>
             </a:xfrm>
             <a:prstGeom prst="rect">
               <a:avLst/>
@@ -3306,9 +3368,9 @@
         <p:grpSpPr>
           <a:xfrm>
             <a:off x="8245692" y="6476415"/>
-            <a:ext cx="432049" cy="269201"/>
+            <a:ext cx="432051" cy="269199"/>
             <a:chOff x="0" y="0"/>
-            <a:chExt cx="432047" cy="269199"/>
+            <a:chExt cx="432049" cy="269198"/>
           </a:xfrm>
         </p:grpSpPr>
         <p:sp>
@@ -3320,7 +3382,7 @@
           <p:spPr>
             <a:xfrm>
               <a:off x="0" y="26588"/>
-              <a:ext cx="432048" cy="216025"/>
+              <a:ext cx="432051" cy="216027"/>
             </a:xfrm>
             <a:prstGeom prst="chevron">
               <a:avLst>
@@ -3361,7 +3423,7 @@
           <p:spPr>
             <a:xfrm>
               <a:off x="153736" y="0"/>
-              <a:ext cx="124576" cy="269201"/>
+              <a:ext cx="124577" cy="269199"/>
             </a:xfrm>
             <a:prstGeom prst="rect">
               <a:avLst/>
@@ -3412,10 +3474,10 @@
         </p:nvGrpSpPr>
         <p:grpSpPr>
           <a:xfrm>
-            <a:off x="8099129" y="675186"/>
-            <a:ext cx="432049" cy="269201"/>
+            <a:off x="8099128" y="675186"/>
+            <a:ext cx="432051" cy="269199"/>
             <a:chOff x="0" y="0"/>
-            <a:chExt cx="432047" cy="269199"/>
+            <a:chExt cx="432049" cy="269198"/>
           </a:xfrm>
         </p:grpSpPr>
         <p:sp>
@@ -3427,7 +3489,7 @@
           <p:spPr>
             <a:xfrm>
               <a:off x="0" y="31941"/>
-              <a:ext cx="432048" cy="205318"/>
+              <a:ext cx="432051" cy="205320"/>
             </a:xfrm>
             <a:prstGeom prst="chevron">
               <a:avLst>
@@ -3470,8 +3532,8 @@
           </p:nvSpPr>
           <p:spPr>
             <a:xfrm>
-              <a:off x="153146" y="0"/>
-              <a:ext cx="125757" cy="269200"/>
+              <a:off x="153146" y="-1"/>
+              <a:ext cx="125758" cy="269199"/>
             </a:xfrm>
             <a:prstGeom prst="rect">
               <a:avLst/>
@@ -3523,7 +3585,7 @@
         <p:spPr>
           <a:xfrm>
             <a:off x="121750" y="116630"/>
-            <a:ext cx="7996288" cy="1137081"/>
+            <a:ext cx="7996289" cy="1137082"/>
           </a:xfrm>
           <a:custGeom>
             <a:avLst/>
@@ -3601,8 +3663,8 @@
         </p:nvSpPr>
         <p:spPr>
           <a:xfrm>
-            <a:off x="184140" y="189590"/>
-            <a:ext cx="8793596" cy="307778"/>
+            <a:off x="184140" y="189589"/>
+            <a:ext cx="8793596" cy="307780"/>
           </a:xfrm>
           <a:prstGeom prst="rect">
             <a:avLst/>
@@ -3639,8 +3701,8 @@
         </p:nvSpPr>
         <p:spPr>
           <a:xfrm>
-            <a:off x="4652851" y="3547600"/>
-            <a:ext cx="4232969" cy="646046"/>
+            <a:off x="4652850" y="3547600"/>
+            <a:ext cx="4232970" cy="646044"/>
           </a:xfrm>
           <a:prstGeom prst="rect">
             <a:avLst/>
@@ -3717,8 +3779,8 @@
         </p:nvSpPr>
         <p:spPr>
           <a:xfrm>
-            <a:off x="229864" y="540900"/>
-            <a:ext cx="8493199" cy="288785"/>
+            <a:off x="229864" y="540899"/>
+            <a:ext cx="8493199" cy="491983"/>
           </a:xfrm>
           <a:prstGeom prst="rect">
             <a:avLst/>
@@ -3748,7 +3810,7 @@
           <a:p>
             <a:pPr/>
             <a:r>
-              <a:t>Is our manufacturing causing sensor failure rate of 15%? </a:t>
+              <a:t>What is causing the failure rate to increase to 15% from the initial manufacturing rate of 1%-2% in the IsSense sensor?</a:t>
             </a:r>
           </a:p>
         </p:txBody>
@@ -3805,14 +3867,14 @@
     </a:clrScheme>
     <a:fontScheme name="Synergy_CF_YNR002">
       <a:majorFont>
+        <a:latin typeface="Arial"/>
+        <a:ea typeface="Arial"/>
+        <a:cs typeface="Arial"/>
+      </a:majorFont>
+      <a:minorFont>
         <a:latin typeface="Helvetica"/>
         <a:ea typeface="Helvetica"/>
         <a:cs typeface="Helvetica"/>
-      </a:majorFont>
-      <a:minorFont>
-        <a:latin typeface="Arial"/>
-        <a:ea typeface="Arial"/>
-        <a:cs typeface="Arial"/>
       </a:minorFont>
     </a:fontScheme>
     <a:fmtScheme name="Synergy_CF_YNR002">
@@ -3894,13 +3956,7 @@
           <a:effectLst/>
         </a:effectStyle>
         <a:effectStyle>
-          <a:effectLst>
-            <a:outerShdw sx="100000" sy="100000" kx="0" ky="0" algn="b" rotWithShape="0" blurRad="38100" dist="20000" dir="5400000">
-              <a:srgbClr val="000000">
-                <a:alpha val="38000"/>
-              </a:srgbClr>
-            </a:outerShdw>
-          </a:effectLst>
+          <a:effectLst/>
         </a:effectStyle>
       </a:effectStyleLst>
       <a:bgFillStyleLst>
@@ -3959,7 +4015,7 @@
     <a:spDef>
       <a:spPr>
         <a:solidFill>
-          <a:srgbClr val="FFFFFF"/>
+          <a:srgbClr val="464646"/>
         </a:solidFill>
         <a:ln w="25400" cap="flat">
           <a:solidFill>
@@ -3999,9 +4055,9 @@
             </a:solidFill>
             <a:effectLst/>
             <a:uFillTx/>
-            <a:latin typeface="+mn-lt"/>
-            <a:ea typeface="+mn-ea"/>
-            <a:cs typeface="+mn-cs"/>
+            <a:latin typeface="+mj-lt"/>
+            <a:ea typeface="+mj-ea"/>
+            <a:cs typeface="+mj-cs"/>
             <a:sym typeface="Arial"/>
           </a:defRPr>
         </a:defPPr>
@@ -4257,13 +4313,7 @@
           <a:prstDash val="solid"/>
           <a:round/>
         </a:ln>
-        <a:effectLst>
-          <a:outerShdw sx="100000" sy="100000" kx="0" ky="0" algn="b" rotWithShape="0" blurRad="38100" dist="20000" dir="5400000">
-            <a:srgbClr val="000000">
-              <a:alpha val="38000"/>
-            </a:srgbClr>
-          </a:outerShdw>
-        </a:effectLst>
+        <a:effectLst/>
         <a:sp3d/>
       </a:spPr>
       <a:bodyPr rot="0" spcFirstLastPara="1" vertOverflow="overflow" horzOverflow="overflow" vert="horz" wrap="square" lIns="91439" tIns="45719" rIns="91439" bIns="45719" numCol="1" spcCol="38100" rtlCol="0" anchor="t" upright="0">
@@ -4576,9 +4626,9 @@
             </a:solidFill>
             <a:effectLst/>
             <a:uFillTx/>
-            <a:latin typeface="+mn-lt"/>
-            <a:ea typeface="+mn-ea"/>
-            <a:cs typeface="+mn-cs"/>
+            <a:latin typeface="+mj-lt"/>
+            <a:ea typeface="+mj-ea"/>
+            <a:cs typeface="+mj-cs"/>
             <a:sym typeface="Arial"/>
           </a:defRPr>
         </a:defPPr>
@@ -4871,14 +4921,14 @@
     </a:clrScheme>
     <a:fontScheme name="Synergy_CF_YNR002">
       <a:majorFont>
+        <a:latin typeface="Arial"/>
+        <a:ea typeface="Arial"/>
+        <a:cs typeface="Arial"/>
+      </a:majorFont>
+      <a:minorFont>
         <a:latin typeface="Helvetica"/>
         <a:ea typeface="Helvetica"/>
         <a:cs typeface="Helvetica"/>
-      </a:majorFont>
-      <a:minorFont>
-        <a:latin typeface="Arial"/>
-        <a:ea typeface="Arial"/>
-        <a:cs typeface="Arial"/>
       </a:minorFont>
     </a:fontScheme>
     <a:fmtScheme name="Synergy_CF_YNR002">
@@ -4960,13 +5010,7 @@
           <a:effectLst/>
         </a:effectStyle>
         <a:effectStyle>
-          <a:effectLst>
-            <a:outerShdw sx="100000" sy="100000" kx="0" ky="0" algn="b" rotWithShape="0" blurRad="38100" dist="20000" dir="5400000">
-              <a:srgbClr val="000000">
-                <a:alpha val="38000"/>
-              </a:srgbClr>
-            </a:outerShdw>
-          </a:effectLst>
+          <a:effectLst/>
         </a:effectStyle>
       </a:effectStyleLst>
       <a:bgFillStyleLst>
@@ -5025,7 +5069,7 @@
     <a:spDef>
       <a:spPr>
         <a:solidFill>
-          <a:srgbClr val="FFFFFF"/>
+          <a:srgbClr val="464646"/>
         </a:solidFill>
         <a:ln w="25400" cap="flat">
           <a:solidFill>
@@ -5065,9 +5109,9 @@
             </a:solidFill>
             <a:effectLst/>
             <a:uFillTx/>
-            <a:latin typeface="+mn-lt"/>
-            <a:ea typeface="+mn-ea"/>
-            <a:cs typeface="+mn-cs"/>
+            <a:latin typeface="+mj-lt"/>
+            <a:ea typeface="+mj-ea"/>
+            <a:cs typeface="+mj-cs"/>
             <a:sym typeface="Arial"/>
           </a:defRPr>
         </a:defPPr>
@@ -5323,13 +5367,7 @@
           <a:prstDash val="solid"/>
           <a:round/>
         </a:ln>
-        <a:effectLst>
-          <a:outerShdw sx="100000" sy="100000" kx="0" ky="0" algn="b" rotWithShape="0" blurRad="38100" dist="20000" dir="5400000">
-            <a:srgbClr val="000000">
-              <a:alpha val="38000"/>
-            </a:srgbClr>
-          </a:outerShdw>
-        </a:effectLst>
+        <a:effectLst/>
         <a:sp3d/>
       </a:spPr>
       <a:bodyPr rot="0" spcFirstLastPara="1" vertOverflow="overflow" horzOverflow="overflow" vert="horz" wrap="square" lIns="91439" tIns="45719" rIns="91439" bIns="45719" numCol="1" spcCol="38100" rtlCol="0" anchor="t" upright="0">
@@ -5642,9 +5680,9 @@
             </a:solidFill>
             <a:effectLst/>
             <a:uFillTx/>
-            <a:latin typeface="+mn-lt"/>
-            <a:ea typeface="+mn-ea"/>
-            <a:cs typeface="+mn-cs"/>
+            <a:latin typeface="+mj-lt"/>
+            <a:ea typeface="+mj-ea"/>
+            <a:cs typeface="+mj-cs"/>
             <a:sym typeface="Arial"/>
           </a:defRPr>
         </a:defPPr>
